--- a/test/pptx/incremental-lists/with-flag/moved-layouts.pptx
+++ b/test/pptx/incremental-lists/with-flag/moved-layouts.pptx
@@ -5760,23 +5760,7 @@
             </a:pPr>
             <a:r>
               <a:rPr/>
-              <a:t>Slide</a:t>
-            </a:r>
-            <a:r>
-              <a:rPr/>
-              <a:t> </a:t>
-            </a:r>
-            <a:r>
-              <a:rPr/>
-              <a:t>1</a:t>
-            </a:r>
-            <a:r>
-              <a:rPr/>
-              <a:t> </a:t>
-            </a:r>
-            <a:r>
-              <a:rPr/>
-              <a:t>(Content)</a:t>
+              <a:t>Slide 1 (Content)</a:t>
             </a:r>
           </a:p>
         </p:txBody>
@@ -6152,23 +6136,7 @@
             </a:pPr>
             <a:r>
               <a:rPr/>
-              <a:t>Slide</a:t>
-            </a:r>
-            <a:r>
-              <a:rPr/>
-              <a:t> </a:t>
-            </a:r>
-            <a:r>
-              <a:rPr/>
-              <a:t>10</a:t>
-            </a:r>
-            <a:r>
-              <a:rPr/>
-              <a:t> </a:t>
-            </a:r>
-            <a:r>
-              <a:rPr/>
-              <a:t>(Content)</a:t>
+              <a:t>Slide 10 (Content)</a:t>
             </a:r>
           </a:p>
         </p:txBody>
@@ -6488,23 +6456,7 @@
             </a:pPr>
             <a:r>
               <a:rPr/>
-              <a:t>Slide</a:t>
-            </a:r>
-            <a:r>
-              <a:rPr/>
-              <a:t> </a:t>
-            </a:r>
-            <a:r>
-              <a:rPr/>
-              <a:t>11</a:t>
-            </a:r>
-            <a:r>
-              <a:rPr/>
-              <a:t> </a:t>
-            </a:r>
-            <a:r>
-              <a:rPr/>
-              <a:t>(Content)</a:t>
+              <a:t>Slide 11 (Content)</a:t>
             </a:r>
           </a:p>
         </p:txBody>
@@ -6837,23 +6789,7 @@
             </a:pPr>
             <a:r>
               <a:rPr/>
-              <a:t>Slide</a:t>
-            </a:r>
-            <a:r>
-              <a:rPr/>
-              <a:t> </a:t>
-            </a:r>
-            <a:r>
-              <a:rPr/>
-              <a:t>12</a:t>
-            </a:r>
-            <a:r>
-              <a:rPr/>
-              <a:t> </a:t>
-            </a:r>
-            <a:r>
-              <a:rPr/>
-              <a:t>(Content)</a:t>
+              <a:t>Slide 12 (Content)</a:t>
             </a:r>
           </a:p>
         </p:txBody>
@@ -7138,23 +7074,7 @@
             </a:pPr>
             <a:r>
               <a:rPr/>
-              <a:t>Slide</a:t>
-            </a:r>
-            <a:r>
-              <a:rPr/>
-              <a:t> </a:t>
-            </a:r>
-            <a:r>
-              <a:rPr/>
-              <a:t>2</a:t>
-            </a:r>
-            <a:r>
-              <a:rPr/>
-              <a:t> </a:t>
-            </a:r>
-            <a:r>
-              <a:rPr/>
-              <a:t>(Content)</a:t>
+              <a:t>Slide 2 (Content)</a:t>
             </a:r>
           </a:p>
         </p:txBody>
@@ -7418,23 +7338,7 @@
             </a:pPr>
             <a:r>
               <a:rPr/>
-              <a:t>Slide</a:t>
-            </a:r>
-            <a:r>
-              <a:rPr/>
-              <a:t> </a:t>
-            </a:r>
-            <a:r>
-              <a:rPr/>
-              <a:t>3</a:t>
-            </a:r>
-            <a:r>
-              <a:rPr/>
-              <a:t> </a:t>
-            </a:r>
-            <a:r>
-              <a:rPr/>
-              <a:t>(Content)</a:t>
+              <a:t>Slide 3 (Content)</a:t>
             </a:r>
           </a:p>
         </p:txBody>
@@ -7707,23 +7611,7 @@
             </a:pPr>
             <a:r>
               <a:rPr/>
-              <a:t>Slide</a:t>
-            </a:r>
-            <a:r>
-              <a:rPr/>
-              <a:t> </a:t>
-            </a:r>
-            <a:r>
-              <a:rPr/>
-              <a:t>4</a:t>
-            </a:r>
-            <a:r>
-              <a:rPr/>
-              <a:t> </a:t>
-            </a:r>
-            <a:r>
-              <a:rPr/>
-              <a:t>(Content)</a:t>
+              <a:t>Slide 4 (Content)</a:t>
             </a:r>
           </a:p>
         </p:txBody>
@@ -8170,31 +8058,7 @@
             </a:pPr>
             <a:r>
               <a:rPr/>
-              <a:t>Slide</a:t>
-            </a:r>
-            <a:r>
-              <a:rPr/>
-              <a:t> </a:t>
-            </a:r>
-            <a:r>
-              <a:rPr/>
-              <a:t>5</a:t>
-            </a:r>
-            <a:r>
-              <a:rPr/>
-              <a:t> </a:t>
-            </a:r>
-            <a:r>
-              <a:rPr/>
-              <a:t>(Two</a:t>
-            </a:r>
-            <a:r>
-              <a:rPr/>
-              <a:t> </a:t>
-            </a:r>
-            <a:r>
-              <a:rPr/>
-              <a:t>Content)</a:t>
+              <a:t>Slide 5 (Two Content)</a:t>
             </a:r>
           </a:p>
         </p:txBody>
@@ -8679,39 +8543,7 @@
             </a:pPr>
             <a:r>
               <a:rPr/>
-              <a:t>Slide</a:t>
-            </a:r>
-            <a:r>
-              <a:rPr/>
-              <a:t> </a:t>
-            </a:r>
-            <a:r>
-              <a:rPr/>
-              <a:t>6</a:t>
-            </a:r>
-            <a:r>
-              <a:rPr/>
-              <a:t> </a:t>
-            </a:r>
-            <a:r>
-              <a:rPr/>
-              <a:t>(Two</a:t>
-            </a:r>
-            <a:r>
-              <a:rPr/>
-              <a:t> </a:t>
-            </a:r>
-            <a:r>
-              <a:rPr/>
-              <a:t>Content</a:t>
-            </a:r>
-            <a:r>
-              <a:rPr/>
-              <a:t> </a:t>
-            </a:r>
-            <a:r>
-              <a:rPr/>
-              <a:t>Right)</a:t>
+              <a:t>Slide 6 (Two Content Right)</a:t>
             </a:r>
           </a:p>
         </p:txBody>
@@ -8771,15 +8603,7 @@
             </a:pPr>
             <a:r>
               <a:rPr/>
-              <a:t>an</a:t>
-            </a:r>
-            <a:r>
-              <a:rPr/>
-              <a:t> </a:t>
-            </a:r>
-            <a:r>
-              <a:rPr/>
-              <a:t>image</a:t>
+              <a:t>an image</a:t>
             </a:r>
           </a:p>
         </p:txBody>
@@ -9048,39 +8872,7 @@
             </a:pPr>
             <a:r>
               <a:rPr/>
-              <a:t>Slide</a:t>
-            </a:r>
-            <a:r>
-              <a:rPr/>
-              <a:t> </a:t>
-            </a:r>
-            <a:r>
-              <a:rPr/>
-              <a:t>7</a:t>
-            </a:r>
-            <a:r>
-              <a:rPr/>
-              <a:t> </a:t>
-            </a:r>
-            <a:r>
-              <a:rPr/>
-              <a:t>(Content</a:t>
-            </a:r>
-            <a:r>
-              <a:rPr/>
-              <a:t> </a:t>
-            </a:r>
-            <a:r>
-              <a:rPr/>
-              <a:t>with</a:t>
-            </a:r>
-            <a:r>
-              <a:rPr/>
-              <a:t> </a:t>
-            </a:r>
-            <a:r>
-              <a:rPr/>
-              <a:t>Caption)</a:t>
+              <a:t>Slide 7 (Content with Caption)</a:t>
             </a:r>
           </a:p>
         </p:txBody>
@@ -9195,15 +8987,7 @@
             </a:pPr>
             <a:r>
               <a:rPr/>
-              <a:t>An</a:t>
-            </a:r>
-            <a:r>
-              <a:rPr/>
-              <a:t> </a:t>
-            </a:r>
-            <a:r>
-              <a:rPr/>
-              <a:t>image</a:t>
+              <a:t>An image</a:t>
             </a:r>
           </a:p>
         </p:txBody>
@@ -9435,23 +9219,7 @@
             </a:pPr>
             <a:r>
               <a:rPr/>
-              <a:t>Slide</a:t>
-            </a:r>
-            <a:r>
-              <a:rPr/>
-              <a:t> </a:t>
-            </a:r>
-            <a:r>
-              <a:rPr/>
-              <a:t>8</a:t>
-            </a:r>
-            <a:r>
-              <a:rPr/>
-              <a:t> </a:t>
-            </a:r>
-            <a:r>
-              <a:rPr/>
-              <a:t>(Comparison)</a:t>
+              <a:t>Slide 8 (Comparison)</a:t>
             </a:r>
           </a:p>
         </p:txBody>
@@ -9548,15 +9316,7 @@
             </a:pPr>
             <a:r>
               <a:rPr/>
-              <a:t>An</a:t>
-            </a:r>
-            <a:r>
-              <a:rPr/>
-              <a:t> </a:t>
-            </a:r>
-            <a:r>
-              <a:rPr/>
-              <a:t>image</a:t>
+              <a:t>An image</a:t>
             </a:r>
           </a:p>
         </p:txBody>
@@ -10036,23 +9796,7 @@
             </a:pPr>
             <a:r>
               <a:rPr/>
-              <a:t>Slide</a:t>
-            </a:r>
-            <a:r>
-              <a:rPr/>
-              <a:t> </a:t>
-            </a:r>
-            <a:r>
-              <a:rPr/>
-              <a:t>9</a:t>
-            </a:r>
-            <a:r>
-              <a:rPr/>
-              <a:t> </a:t>
-            </a:r>
-            <a:r>
-              <a:rPr/>
-              <a:t>(Content)</a:t>
+              <a:t>Slide 9 (Content)</a:t>
             </a:r>
           </a:p>
         </p:txBody>

--- a/test/pptx/incremental-lists/with-flag/moved-layouts.pptx
+++ b/test/pptx/incremental-lists/with-flag/moved-layouts.pptx
@@ -5760,19 +5760,11 @@
             </a:pPr>
             <a:r>
               <a:rPr/>
-              <a:t>Slide</a:t>
-            </a:r>
-            <a:r>
-              <a:rPr/>
-              <a:t> </a:t>
-            </a:r>
-            <a:r>
-              <a:rPr/>
-              <a:t>1</a:t>
-            </a:r>
-            <a:r>
-              <a:rPr/>
-              <a:t> </a:t>
+              <a:t>Slide </a:t>
+            </a:r>
+            <a:r>
+              <a:rPr/>
+              <a:t>1 </a:t>
             </a:r>
             <a:r>
               <a:rPr/>
@@ -6152,19 +6144,11 @@
             </a:pPr>
             <a:r>
               <a:rPr/>
-              <a:t>Slide</a:t>
-            </a:r>
-            <a:r>
-              <a:rPr/>
-              <a:t> </a:t>
-            </a:r>
-            <a:r>
-              <a:rPr/>
-              <a:t>10</a:t>
-            </a:r>
-            <a:r>
-              <a:rPr/>
-              <a:t> </a:t>
+              <a:t>Slide </a:t>
+            </a:r>
+            <a:r>
+              <a:rPr/>
+              <a:t>10 </a:t>
             </a:r>
             <a:r>
               <a:rPr/>
@@ -6488,19 +6472,11 @@
             </a:pPr>
             <a:r>
               <a:rPr/>
-              <a:t>Slide</a:t>
-            </a:r>
-            <a:r>
-              <a:rPr/>
-              <a:t> </a:t>
-            </a:r>
-            <a:r>
-              <a:rPr/>
-              <a:t>11</a:t>
-            </a:r>
-            <a:r>
-              <a:rPr/>
-              <a:t> </a:t>
+              <a:t>Slide </a:t>
+            </a:r>
+            <a:r>
+              <a:rPr/>
+              <a:t>11 </a:t>
             </a:r>
             <a:r>
               <a:rPr/>
@@ -6837,19 +6813,11 @@
             </a:pPr>
             <a:r>
               <a:rPr/>
-              <a:t>Slide</a:t>
-            </a:r>
-            <a:r>
-              <a:rPr/>
-              <a:t> </a:t>
-            </a:r>
-            <a:r>
-              <a:rPr/>
-              <a:t>12</a:t>
-            </a:r>
-            <a:r>
-              <a:rPr/>
-              <a:t> </a:t>
+              <a:t>Slide </a:t>
+            </a:r>
+            <a:r>
+              <a:rPr/>
+              <a:t>12 </a:t>
             </a:r>
             <a:r>
               <a:rPr/>
@@ -7138,19 +7106,11 @@
             </a:pPr>
             <a:r>
               <a:rPr/>
-              <a:t>Slide</a:t>
-            </a:r>
-            <a:r>
-              <a:rPr/>
-              <a:t> </a:t>
-            </a:r>
-            <a:r>
-              <a:rPr/>
-              <a:t>2</a:t>
-            </a:r>
-            <a:r>
-              <a:rPr/>
-              <a:t> </a:t>
+              <a:t>Slide </a:t>
+            </a:r>
+            <a:r>
+              <a:rPr/>
+              <a:t>2 </a:t>
             </a:r>
             <a:r>
               <a:rPr/>
@@ -7418,19 +7378,11 @@
             </a:pPr>
             <a:r>
               <a:rPr/>
-              <a:t>Slide</a:t>
-            </a:r>
-            <a:r>
-              <a:rPr/>
-              <a:t> </a:t>
-            </a:r>
-            <a:r>
-              <a:rPr/>
-              <a:t>3</a:t>
-            </a:r>
-            <a:r>
-              <a:rPr/>
-              <a:t> </a:t>
+              <a:t>Slide </a:t>
+            </a:r>
+            <a:r>
+              <a:rPr/>
+              <a:t>3 </a:t>
             </a:r>
             <a:r>
               <a:rPr/>
@@ -7707,19 +7659,11 @@
             </a:pPr>
             <a:r>
               <a:rPr/>
-              <a:t>Slide</a:t>
-            </a:r>
-            <a:r>
-              <a:rPr/>
-              <a:t> </a:t>
-            </a:r>
-            <a:r>
-              <a:rPr/>
-              <a:t>4</a:t>
-            </a:r>
-            <a:r>
-              <a:rPr/>
-              <a:t> </a:t>
+              <a:t>Slide </a:t>
+            </a:r>
+            <a:r>
+              <a:rPr/>
+              <a:t>4 </a:t>
             </a:r>
             <a:r>
               <a:rPr/>
@@ -8170,27 +8114,15 @@
             </a:pPr>
             <a:r>
               <a:rPr/>
-              <a:t>Slide</a:t>
-            </a:r>
-            <a:r>
-              <a:rPr/>
-              <a:t> </a:t>
-            </a:r>
-            <a:r>
-              <a:rPr/>
-              <a:t>5</a:t>
-            </a:r>
-            <a:r>
-              <a:rPr/>
-              <a:t> </a:t>
-            </a:r>
-            <a:r>
-              <a:rPr/>
-              <a:t>(Two</a:t>
-            </a:r>
-            <a:r>
-              <a:rPr/>
-              <a:t> </a:t>
+              <a:t>Slide </a:t>
+            </a:r>
+            <a:r>
+              <a:rPr/>
+              <a:t>5 </a:t>
+            </a:r>
+            <a:r>
+              <a:rPr/>
+              <a:t>(Two </a:t>
             </a:r>
             <a:r>
               <a:rPr/>
@@ -8679,35 +8611,19 @@
             </a:pPr>
             <a:r>
               <a:rPr/>
-              <a:t>Slide</a:t>
-            </a:r>
-            <a:r>
-              <a:rPr/>
-              <a:t> </a:t>
-            </a:r>
-            <a:r>
-              <a:rPr/>
-              <a:t>6</a:t>
-            </a:r>
-            <a:r>
-              <a:rPr/>
-              <a:t> </a:t>
-            </a:r>
-            <a:r>
-              <a:rPr/>
-              <a:t>(Two</a:t>
-            </a:r>
-            <a:r>
-              <a:rPr/>
-              <a:t> </a:t>
-            </a:r>
-            <a:r>
-              <a:rPr/>
-              <a:t>Content</a:t>
-            </a:r>
-            <a:r>
-              <a:rPr/>
-              <a:t> </a:t>
+              <a:t>Slide </a:t>
+            </a:r>
+            <a:r>
+              <a:rPr/>
+              <a:t>6 </a:t>
+            </a:r>
+            <a:r>
+              <a:rPr/>
+              <a:t>(Two </a:t>
+            </a:r>
+            <a:r>
+              <a:rPr/>
+              <a:t>Content </a:t>
             </a:r>
             <a:r>
               <a:rPr/>
@@ -8771,11 +8687,7 @@
             </a:pPr>
             <a:r>
               <a:rPr/>
-              <a:t>an</a:t>
-            </a:r>
-            <a:r>
-              <a:rPr/>
-              <a:t> </a:t>
+              <a:t>an </a:t>
             </a:r>
             <a:r>
               <a:rPr/>
@@ -9048,35 +8960,19 @@
             </a:pPr>
             <a:r>
               <a:rPr/>
-              <a:t>Slide</a:t>
-            </a:r>
-            <a:r>
-              <a:rPr/>
-              <a:t> </a:t>
-            </a:r>
-            <a:r>
-              <a:rPr/>
-              <a:t>7</a:t>
-            </a:r>
-            <a:r>
-              <a:rPr/>
-              <a:t> </a:t>
-            </a:r>
-            <a:r>
-              <a:rPr/>
-              <a:t>(Content</a:t>
-            </a:r>
-            <a:r>
-              <a:rPr/>
-              <a:t> </a:t>
-            </a:r>
-            <a:r>
-              <a:rPr/>
-              <a:t>with</a:t>
-            </a:r>
-            <a:r>
-              <a:rPr/>
-              <a:t> </a:t>
+              <a:t>Slide </a:t>
+            </a:r>
+            <a:r>
+              <a:rPr/>
+              <a:t>7 </a:t>
+            </a:r>
+            <a:r>
+              <a:rPr/>
+              <a:t>(Content </a:t>
+            </a:r>
+            <a:r>
+              <a:rPr/>
+              <a:t>with </a:t>
             </a:r>
             <a:r>
               <a:rPr/>
@@ -9195,11 +9091,7 @@
             </a:pPr>
             <a:r>
               <a:rPr/>
-              <a:t>An</a:t>
-            </a:r>
-            <a:r>
-              <a:rPr/>
-              <a:t> </a:t>
+              <a:t>An </a:t>
             </a:r>
             <a:r>
               <a:rPr/>
@@ -9435,19 +9327,11 @@
             </a:pPr>
             <a:r>
               <a:rPr/>
-              <a:t>Slide</a:t>
-            </a:r>
-            <a:r>
-              <a:rPr/>
-              <a:t> </a:t>
-            </a:r>
-            <a:r>
-              <a:rPr/>
-              <a:t>8</a:t>
-            </a:r>
-            <a:r>
-              <a:rPr/>
-              <a:t> </a:t>
+              <a:t>Slide </a:t>
+            </a:r>
+            <a:r>
+              <a:rPr/>
+              <a:t>8 </a:t>
             </a:r>
             <a:r>
               <a:rPr/>
@@ -9548,11 +9432,7 @@
             </a:pPr>
             <a:r>
               <a:rPr/>
-              <a:t>An</a:t>
-            </a:r>
-            <a:r>
-              <a:rPr/>
-              <a:t> </a:t>
+              <a:t>An </a:t>
             </a:r>
             <a:r>
               <a:rPr/>
@@ -10036,19 +9916,11 @@
             </a:pPr>
             <a:r>
               <a:rPr/>
-              <a:t>Slide</a:t>
-            </a:r>
-            <a:r>
-              <a:rPr/>
-              <a:t> </a:t>
-            </a:r>
-            <a:r>
-              <a:rPr/>
-              <a:t>9</a:t>
-            </a:r>
-            <a:r>
-              <a:rPr/>
-              <a:t> </a:t>
+              <a:t>Slide </a:t>
+            </a:r>
+            <a:r>
+              <a:rPr/>
+              <a:t>9 </a:t>
             </a:r>
             <a:r>
               <a:rPr/>

--- a/test/pptx/incremental-lists/with-flag/moved-layouts.pptx
+++ b/test/pptx/incremental-lists/with-flag/moved-layouts.pptx
@@ -5760,11 +5760,19 @@
             </a:pPr>
             <a:r>
               <a:rPr/>
-              <a:t>Slide </a:t>
-            </a:r>
-            <a:r>
-              <a:rPr/>
-              <a:t>1 </a:t>
+              <a:t>Slide</a:t>
+            </a:r>
+            <a:r>
+              <a:rPr/>
+              <a:t> </a:t>
+            </a:r>
+            <a:r>
+              <a:rPr/>
+              <a:t>1</a:t>
+            </a:r>
+            <a:r>
+              <a:rPr/>
+              <a:t> </a:t>
             </a:r>
             <a:r>
               <a:rPr/>
@@ -6144,11 +6152,19 @@
             </a:pPr>
             <a:r>
               <a:rPr/>
-              <a:t>Slide </a:t>
-            </a:r>
-            <a:r>
-              <a:rPr/>
-              <a:t>10 </a:t>
+              <a:t>Slide</a:t>
+            </a:r>
+            <a:r>
+              <a:rPr/>
+              <a:t> </a:t>
+            </a:r>
+            <a:r>
+              <a:rPr/>
+              <a:t>10</a:t>
+            </a:r>
+            <a:r>
+              <a:rPr/>
+              <a:t> </a:t>
             </a:r>
             <a:r>
               <a:rPr/>
@@ -6472,11 +6488,19 @@
             </a:pPr>
             <a:r>
               <a:rPr/>
-              <a:t>Slide </a:t>
-            </a:r>
-            <a:r>
-              <a:rPr/>
-              <a:t>11 </a:t>
+              <a:t>Slide</a:t>
+            </a:r>
+            <a:r>
+              <a:rPr/>
+              <a:t> </a:t>
+            </a:r>
+            <a:r>
+              <a:rPr/>
+              <a:t>11</a:t>
+            </a:r>
+            <a:r>
+              <a:rPr/>
+              <a:t> </a:t>
             </a:r>
             <a:r>
               <a:rPr/>
@@ -6813,11 +6837,19 @@
             </a:pPr>
             <a:r>
               <a:rPr/>
-              <a:t>Slide </a:t>
-            </a:r>
-            <a:r>
-              <a:rPr/>
-              <a:t>12 </a:t>
+              <a:t>Slide</a:t>
+            </a:r>
+            <a:r>
+              <a:rPr/>
+              <a:t> </a:t>
+            </a:r>
+            <a:r>
+              <a:rPr/>
+              <a:t>12</a:t>
+            </a:r>
+            <a:r>
+              <a:rPr/>
+              <a:t> </a:t>
             </a:r>
             <a:r>
               <a:rPr/>
@@ -7106,11 +7138,19 @@
             </a:pPr>
             <a:r>
               <a:rPr/>
-              <a:t>Slide </a:t>
-            </a:r>
-            <a:r>
-              <a:rPr/>
-              <a:t>2 </a:t>
+              <a:t>Slide</a:t>
+            </a:r>
+            <a:r>
+              <a:rPr/>
+              <a:t> </a:t>
+            </a:r>
+            <a:r>
+              <a:rPr/>
+              <a:t>2</a:t>
+            </a:r>
+            <a:r>
+              <a:rPr/>
+              <a:t> </a:t>
             </a:r>
             <a:r>
               <a:rPr/>
@@ -7378,11 +7418,19 @@
             </a:pPr>
             <a:r>
               <a:rPr/>
-              <a:t>Slide </a:t>
-            </a:r>
-            <a:r>
-              <a:rPr/>
-              <a:t>3 </a:t>
+              <a:t>Slide</a:t>
+            </a:r>
+            <a:r>
+              <a:rPr/>
+              <a:t> </a:t>
+            </a:r>
+            <a:r>
+              <a:rPr/>
+              <a:t>3</a:t>
+            </a:r>
+            <a:r>
+              <a:rPr/>
+              <a:t> </a:t>
             </a:r>
             <a:r>
               <a:rPr/>
@@ -7659,11 +7707,19 @@
             </a:pPr>
             <a:r>
               <a:rPr/>
-              <a:t>Slide </a:t>
-            </a:r>
-            <a:r>
-              <a:rPr/>
-              <a:t>4 </a:t>
+              <a:t>Slide</a:t>
+            </a:r>
+            <a:r>
+              <a:rPr/>
+              <a:t> </a:t>
+            </a:r>
+            <a:r>
+              <a:rPr/>
+              <a:t>4</a:t>
+            </a:r>
+            <a:r>
+              <a:rPr/>
+              <a:t> </a:t>
             </a:r>
             <a:r>
               <a:rPr/>
@@ -8114,15 +8170,27 @@
             </a:pPr>
             <a:r>
               <a:rPr/>
-              <a:t>Slide </a:t>
-            </a:r>
-            <a:r>
-              <a:rPr/>
-              <a:t>5 </a:t>
-            </a:r>
-            <a:r>
-              <a:rPr/>
-              <a:t>(Two </a:t>
+              <a:t>Slide</a:t>
+            </a:r>
+            <a:r>
+              <a:rPr/>
+              <a:t> </a:t>
+            </a:r>
+            <a:r>
+              <a:rPr/>
+              <a:t>5</a:t>
+            </a:r>
+            <a:r>
+              <a:rPr/>
+              <a:t> </a:t>
+            </a:r>
+            <a:r>
+              <a:rPr/>
+              <a:t>(Two</a:t>
+            </a:r>
+            <a:r>
+              <a:rPr/>
+              <a:t> </a:t>
             </a:r>
             <a:r>
               <a:rPr/>
@@ -8611,19 +8679,35 @@
             </a:pPr>
             <a:r>
               <a:rPr/>
-              <a:t>Slide </a:t>
-            </a:r>
-            <a:r>
-              <a:rPr/>
-              <a:t>6 </a:t>
-            </a:r>
-            <a:r>
-              <a:rPr/>
-              <a:t>(Two </a:t>
-            </a:r>
-            <a:r>
-              <a:rPr/>
-              <a:t>Content </a:t>
+              <a:t>Slide</a:t>
+            </a:r>
+            <a:r>
+              <a:rPr/>
+              <a:t> </a:t>
+            </a:r>
+            <a:r>
+              <a:rPr/>
+              <a:t>6</a:t>
+            </a:r>
+            <a:r>
+              <a:rPr/>
+              <a:t> </a:t>
+            </a:r>
+            <a:r>
+              <a:rPr/>
+              <a:t>(Two</a:t>
+            </a:r>
+            <a:r>
+              <a:rPr/>
+              <a:t> </a:t>
+            </a:r>
+            <a:r>
+              <a:rPr/>
+              <a:t>Content</a:t>
+            </a:r>
+            <a:r>
+              <a:rPr/>
+              <a:t> </a:t>
             </a:r>
             <a:r>
               <a:rPr/>
@@ -8687,7 +8771,11 @@
             </a:pPr>
             <a:r>
               <a:rPr/>
-              <a:t>an </a:t>
+              <a:t>an</a:t>
+            </a:r>
+            <a:r>
+              <a:rPr/>
+              <a:t> </a:t>
             </a:r>
             <a:r>
               <a:rPr/>
@@ -8960,19 +9048,35 @@
             </a:pPr>
             <a:r>
               <a:rPr/>
-              <a:t>Slide </a:t>
-            </a:r>
-            <a:r>
-              <a:rPr/>
-              <a:t>7 </a:t>
-            </a:r>
-            <a:r>
-              <a:rPr/>
-              <a:t>(Content </a:t>
-            </a:r>
-            <a:r>
-              <a:rPr/>
-              <a:t>with </a:t>
+              <a:t>Slide</a:t>
+            </a:r>
+            <a:r>
+              <a:rPr/>
+              <a:t> </a:t>
+            </a:r>
+            <a:r>
+              <a:rPr/>
+              <a:t>7</a:t>
+            </a:r>
+            <a:r>
+              <a:rPr/>
+              <a:t> </a:t>
+            </a:r>
+            <a:r>
+              <a:rPr/>
+              <a:t>(Content</a:t>
+            </a:r>
+            <a:r>
+              <a:rPr/>
+              <a:t> </a:t>
+            </a:r>
+            <a:r>
+              <a:rPr/>
+              <a:t>with</a:t>
+            </a:r>
+            <a:r>
+              <a:rPr/>
+              <a:t> </a:t>
             </a:r>
             <a:r>
               <a:rPr/>
@@ -9091,7 +9195,11 @@
             </a:pPr>
             <a:r>
               <a:rPr/>
-              <a:t>An </a:t>
+              <a:t>An</a:t>
+            </a:r>
+            <a:r>
+              <a:rPr/>
+              <a:t> </a:t>
             </a:r>
             <a:r>
               <a:rPr/>
@@ -9327,11 +9435,19 @@
             </a:pPr>
             <a:r>
               <a:rPr/>
-              <a:t>Slide </a:t>
-            </a:r>
-            <a:r>
-              <a:rPr/>
-              <a:t>8 </a:t>
+              <a:t>Slide</a:t>
+            </a:r>
+            <a:r>
+              <a:rPr/>
+              <a:t> </a:t>
+            </a:r>
+            <a:r>
+              <a:rPr/>
+              <a:t>8</a:t>
+            </a:r>
+            <a:r>
+              <a:rPr/>
+              <a:t> </a:t>
             </a:r>
             <a:r>
               <a:rPr/>
@@ -9432,7 +9548,11 @@
             </a:pPr>
             <a:r>
               <a:rPr/>
-              <a:t>An </a:t>
+              <a:t>An</a:t>
+            </a:r>
+            <a:r>
+              <a:rPr/>
+              <a:t> </a:t>
             </a:r>
             <a:r>
               <a:rPr/>
@@ -9916,11 +10036,19 @@
             </a:pPr>
             <a:r>
               <a:rPr/>
-              <a:t>Slide </a:t>
-            </a:r>
-            <a:r>
-              <a:rPr/>
-              <a:t>9 </a:t>
+              <a:t>Slide</a:t>
+            </a:r>
+            <a:r>
+              <a:rPr/>
+              <a:t> </a:t>
+            </a:r>
+            <a:r>
+              <a:rPr/>
+              <a:t>9</a:t>
+            </a:r>
+            <a:r>
+              <a:rPr/>
+              <a:t> </a:t>
             </a:r>
             <a:r>
               <a:rPr/>
